--- a/slides/Project2Update1.pptx
+++ b/slides/Project2Update1.pptx
@@ -5,17 +5,18 @@
     <p:sldMasterId id="2147483648" r:id="rId1"/>
   </p:sldMasterIdLst>
   <p:notesMasterIdLst>
-    <p:notesMasterId r:id="rId10"/>
+    <p:notesMasterId r:id="rId11"/>
   </p:notesMasterIdLst>
   <p:sldIdLst>
     <p:sldId id="257" r:id="rId2"/>
     <p:sldId id="258" r:id="rId3"/>
     <p:sldId id="259" r:id="rId4"/>
     <p:sldId id="266" r:id="rId5"/>
-    <p:sldId id="261" r:id="rId6"/>
-    <p:sldId id="262" r:id="rId7"/>
-    <p:sldId id="264" r:id="rId8"/>
-    <p:sldId id="263" r:id="rId9"/>
+    <p:sldId id="267" r:id="rId6"/>
+    <p:sldId id="261" r:id="rId7"/>
+    <p:sldId id="262" r:id="rId8"/>
+    <p:sldId id="264" r:id="rId9"/>
+    <p:sldId id="263" r:id="rId10"/>
   </p:sldIdLst>
   <p:sldSz cx="12192000" cy="6858000"/>
   <p:notesSz cx="6858000" cy="9144000"/>
@@ -204,7 +205,7 @@
           <a:p>
             <a:fld id="{B45B6B3F-DDC2-48AE-844D-D3747DFA3018}" type="datetimeFigureOut">
               <a:rPr lang="en-US" smtClean="0"/>
-              <a:t>6/27/20</a:t>
+              <a:t>6/30/20</a:t>
             </a:fld>
             <a:endParaRPr lang="en-US"/>
           </a:p>
@@ -1227,7 +1228,7 @@
                 <a:cs typeface="Arial" panose="020B0604020202020204"/>
                 <a:sym typeface="Arial" panose="020B0604020202020204"/>
               </a:rPr>
-              <a:t>5</a:t>
+              <a:t>6</a:t>
             </a:fld>
             <a:endParaRPr sz="1400" b="0" i="0" u="none" strike="noStrike" cap="none">
               <a:solidFill>
@@ -1424,7 +1425,7 @@
                 <a:cs typeface="Arial" panose="020B0604020202020204"/>
                 <a:sym typeface="Arial" panose="020B0604020202020204"/>
               </a:rPr>
-              <a:t>6</a:t>
+              <a:t>7</a:t>
             </a:fld>
             <a:endParaRPr sz="1400" b="0" i="0" u="none" strike="noStrike" cap="none">
               <a:solidFill>
@@ -1621,7 +1622,7 @@
                 <a:cs typeface="Arial" panose="020B0604020202020204"/>
                 <a:sym typeface="Arial" panose="020B0604020202020204"/>
               </a:rPr>
-              <a:t>7</a:t>
+              <a:t>8</a:t>
             </a:fld>
             <a:endParaRPr sz="1400" b="0" i="0" u="none" strike="noStrike" cap="none">
               <a:solidFill>
@@ -1818,7 +1819,7 @@
                 <a:cs typeface="Arial" panose="020B0604020202020204"/>
                 <a:sym typeface="Arial" panose="020B0604020202020204"/>
               </a:rPr>
-              <a:t>8</a:t>
+              <a:t>9</a:t>
             </a:fld>
             <a:endParaRPr sz="1400" b="0" i="0" u="none" strike="noStrike" cap="none">
               <a:solidFill>
@@ -1992,7 +1993,7 @@
           <a:p>
             <a:fld id="{527C1A63-4441-4CD6-92D2-525BFF050268}" type="datetimeFigureOut">
               <a:rPr lang="en-US" smtClean="0"/>
-              <a:t>6/27/20</a:t>
+              <a:t>6/30/20</a:t>
             </a:fld>
             <a:endParaRPr lang="en-US"/>
           </a:p>
@@ -2190,7 +2191,7 @@
           <a:p>
             <a:fld id="{527C1A63-4441-4CD6-92D2-525BFF050268}" type="datetimeFigureOut">
               <a:rPr lang="en-US" smtClean="0"/>
-              <a:t>6/27/20</a:t>
+              <a:t>6/30/20</a:t>
             </a:fld>
             <a:endParaRPr lang="en-US"/>
           </a:p>
@@ -2398,7 +2399,7 @@
           <a:p>
             <a:fld id="{527C1A63-4441-4CD6-92D2-525BFF050268}" type="datetimeFigureOut">
               <a:rPr lang="en-US" smtClean="0"/>
-              <a:t>6/27/20</a:t>
+              <a:t>6/30/20</a:t>
             </a:fld>
             <a:endParaRPr lang="en-US"/>
           </a:p>
@@ -2626,7 +2627,7 @@
           <a:p>
             <a:fld id="{527C1A63-4441-4CD6-92D2-525BFF050268}" type="datetimeFigureOut">
               <a:rPr lang="en-US" smtClean="0"/>
-              <a:t>6/27/20</a:t>
+              <a:t>6/30/20</a:t>
             </a:fld>
             <a:endParaRPr lang="en-US"/>
           </a:p>
@@ -2901,7 +2902,7 @@
           <a:p>
             <a:fld id="{527C1A63-4441-4CD6-92D2-525BFF050268}" type="datetimeFigureOut">
               <a:rPr lang="en-US" smtClean="0"/>
-              <a:t>6/27/20</a:t>
+              <a:t>6/30/20</a:t>
             </a:fld>
             <a:endParaRPr lang="en-US"/>
           </a:p>
@@ -3166,7 +3167,7 @@
           <a:p>
             <a:fld id="{527C1A63-4441-4CD6-92D2-525BFF050268}" type="datetimeFigureOut">
               <a:rPr lang="en-US" smtClean="0"/>
-              <a:t>6/27/20</a:t>
+              <a:t>6/30/20</a:t>
             </a:fld>
             <a:endParaRPr lang="en-US"/>
           </a:p>
@@ -3578,7 +3579,7 @@
           <a:p>
             <a:fld id="{527C1A63-4441-4CD6-92D2-525BFF050268}" type="datetimeFigureOut">
               <a:rPr lang="en-US" smtClean="0"/>
-              <a:t>6/27/20</a:t>
+              <a:t>6/30/20</a:t>
             </a:fld>
             <a:endParaRPr lang="en-US"/>
           </a:p>
@@ -3719,7 +3720,7 @@
           <a:p>
             <a:fld id="{527C1A63-4441-4CD6-92D2-525BFF050268}" type="datetimeFigureOut">
               <a:rPr lang="en-US" smtClean="0"/>
-              <a:t>6/27/20</a:t>
+              <a:t>6/30/20</a:t>
             </a:fld>
             <a:endParaRPr lang="en-US"/>
           </a:p>
@@ -3832,7 +3833,7 @@
           <a:p>
             <a:fld id="{527C1A63-4441-4CD6-92D2-525BFF050268}" type="datetimeFigureOut">
               <a:rPr lang="en-US" smtClean="0"/>
-              <a:t>6/27/20</a:t>
+              <a:t>6/30/20</a:t>
             </a:fld>
             <a:endParaRPr lang="en-US"/>
           </a:p>
@@ -4143,7 +4144,7 @@
           <a:p>
             <a:fld id="{527C1A63-4441-4CD6-92D2-525BFF050268}" type="datetimeFigureOut">
               <a:rPr lang="en-US" smtClean="0"/>
-              <a:t>6/27/20</a:t>
+              <a:t>6/30/20</a:t>
             </a:fld>
             <a:endParaRPr lang="en-US"/>
           </a:p>
@@ -4431,7 +4432,7 @@
           <a:p>
             <a:fld id="{527C1A63-4441-4CD6-92D2-525BFF050268}" type="datetimeFigureOut">
               <a:rPr lang="en-US" smtClean="0"/>
-              <a:t>6/27/20</a:t>
+              <a:t>6/30/20</a:t>
             </a:fld>
             <a:endParaRPr lang="en-US"/>
           </a:p>
@@ -4681,7 +4682,7 @@
           <a:p>
             <a:fld id="{527C1A63-4441-4CD6-92D2-525BFF050268}" type="datetimeFigureOut">
               <a:rPr lang="en-US" smtClean="0"/>
-              <a:t>6/27/20</a:t>
+              <a:t>6/30/20</a:t>
             </a:fld>
             <a:endParaRPr lang="en-US"/>
           </a:p>
@@ -5353,7 +5354,50 @@
           <a:p>
             <a:r>
               <a:rPr lang="en-US" dirty="0"/>
-              <a:t>Project 2 Design</a:t>
+              <a:t>Project 2 Update 1</a:t>
+            </a:r>
+          </a:p>
+        </p:txBody>
+      </p:sp>
+      <p:sp>
+        <p:nvSpPr>
+          <p:cNvPr id="7" name="TextBox 6">
+            <a:extLst>
+              <a:ext uri="{FF2B5EF4-FFF2-40B4-BE49-F238E27FC236}">
+                <a16:creationId xmlns:a16="http://schemas.microsoft.com/office/drawing/2014/main" id="{8158BF46-3CCF-DD49-8C6D-21AD2254C4A3}"/>
+              </a:ext>
+            </a:extLst>
+          </p:cNvPr>
+          <p:cNvSpPr txBox="1"/>
+          <p:nvPr/>
+        </p:nvSpPr>
+        <p:spPr>
+          <a:xfrm>
+            <a:off x="1054549" y="4907362"/>
+            <a:ext cx="4142598" cy="369332"/>
+          </a:xfrm>
+          <a:prstGeom prst="rect">
+            <a:avLst/>
+          </a:prstGeom>
+          <a:noFill/>
+        </p:spPr>
+        <p:txBody>
+          <a:bodyPr wrap="square" rtlCol="0">
+            <a:spAutoFit/>
+          </a:bodyPr>
+          <a:lstStyle/>
+          <a:p>
+            <a:r>
+              <a:rPr lang="en-US" dirty="0"/>
+              <a:t>Liang Xue, </a:t>
+            </a:r>
+            <a:r>
+              <a:rPr lang="en-US" dirty="0" err="1"/>
+              <a:t>Yichun</a:t>
+            </a:r>
+            <a:r>
+              <a:rPr lang="en-US" dirty="0"/>
+              <a:t> Sun</a:t>
             </a:r>
           </a:p>
         </p:txBody>
@@ -7471,6 +7515,308 @@
   <p:cSld>
     <p:spTree>
       <p:nvGrpSpPr>
+        <p:cNvPr id="1" name=""/>
+        <p:cNvGrpSpPr/>
+        <p:nvPr/>
+      </p:nvGrpSpPr>
+      <p:grpSpPr>
+        <a:xfrm>
+          <a:off x="0" y="0"/>
+          <a:ext cx="0" cy="0"/>
+          <a:chOff x="0" y="0"/>
+          <a:chExt cx="0" cy="0"/>
+        </a:xfrm>
+      </p:grpSpPr>
+      <p:pic>
+        <p:nvPicPr>
+          <p:cNvPr id="2" name="Picture 1">
+            <a:extLst>
+              <a:ext uri="{FF2B5EF4-FFF2-40B4-BE49-F238E27FC236}">
+                <a16:creationId xmlns:a16="http://schemas.microsoft.com/office/drawing/2014/main" id="{58475E4A-1693-7A46-95E7-E121C29432DE}"/>
+              </a:ext>
+            </a:extLst>
+          </p:cNvPr>
+          <p:cNvPicPr>
+            <a:picLocks noChangeAspect="1"/>
+          </p:cNvPicPr>
+          <p:nvPr/>
+        </p:nvPicPr>
+        <p:blipFill>
+          <a:blip r:embed="rId2"/>
+          <a:stretch>
+            <a:fillRect/>
+          </a:stretch>
+        </p:blipFill>
+        <p:spPr>
+          <a:xfrm>
+            <a:off x="1154671" y="2185200"/>
+            <a:ext cx="4609622" cy="3664857"/>
+          </a:xfrm>
+          <a:prstGeom prst="rect">
+            <a:avLst/>
+          </a:prstGeom>
+        </p:spPr>
+      </p:pic>
+      <p:pic>
+        <p:nvPicPr>
+          <p:cNvPr id="3" name="Picture 2">
+            <a:extLst>
+              <a:ext uri="{FF2B5EF4-FFF2-40B4-BE49-F238E27FC236}">
+                <a16:creationId xmlns:a16="http://schemas.microsoft.com/office/drawing/2014/main" id="{927AA7A8-7B80-B441-B9B8-D3E09E7BD322}"/>
+              </a:ext>
+            </a:extLst>
+          </p:cNvPr>
+          <p:cNvPicPr>
+            <a:picLocks noChangeAspect="1"/>
+          </p:cNvPicPr>
+          <p:nvPr/>
+        </p:nvPicPr>
+        <p:blipFill>
+          <a:blip r:embed="rId3"/>
+          <a:stretch>
+            <a:fillRect/>
+          </a:stretch>
+        </p:blipFill>
+        <p:spPr>
+          <a:xfrm>
+            <a:off x="6427708" y="2185199"/>
+            <a:ext cx="4516443" cy="3664858"/>
+          </a:xfrm>
+          <a:prstGeom prst="rect">
+            <a:avLst/>
+          </a:prstGeom>
+        </p:spPr>
+      </p:pic>
+      <p:sp>
+        <p:nvSpPr>
+          <p:cNvPr id="4" name="TextBox 3">
+            <a:extLst>
+              <a:ext uri="{FF2B5EF4-FFF2-40B4-BE49-F238E27FC236}">
+                <a16:creationId xmlns:a16="http://schemas.microsoft.com/office/drawing/2014/main" id="{F0B2D881-8AE7-D544-AD42-23498B12C8BB}"/>
+              </a:ext>
+            </a:extLst>
+          </p:cNvPr>
+          <p:cNvSpPr txBox="1"/>
+          <p:nvPr/>
+        </p:nvSpPr>
+        <p:spPr>
+          <a:xfrm>
+            <a:off x="1154671" y="1066029"/>
+            <a:ext cx="10368218" cy="584775"/>
+          </a:xfrm>
+          <a:prstGeom prst="rect">
+            <a:avLst/>
+          </a:prstGeom>
+          <a:noFill/>
+        </p:spPr>
+        <p:txBody>
+          <a:bodyPr wrap="square" rtlCol="0">
+            <a:spAutoFit/>
+          </a:bodyPr>
+          <a:lstStyle/>
+          <a:p>
+            <a:pPr marL="457200" indent="-457200">
+              <a:buFont typeface="Arial" panose="020B0604020202020204" pitchFamily="34" charset="0"/>
+              <a:buChar char="•"/>
+            </a:pPr>
+            <a:r>
+              <a:rPr lang="en-US" sz="3200" dirty="0"/>
+              <a:t>Different Data structure for each year (2015-2019)</a:t>
+            </a:r>
+          </a:p>
+        </p:txBody>
+      </p:sp>
+      <p:sp>
+        <p:nvSpPr>
+          <p:cNvPr id="5" name="Google Shape;160;p41">
+            <a:extLst>
+              <a:ext uri="{FF2B5EF4-FFF2-40B4-BE49-F238E27FC236}">
+                <a16:creationId xmlns:a16="http://schemas.microsoft.com/office/drawing/2014/main" id="{ADB7C68D-9D79-0E42-8489-D731C68226D3}"/>
+              </a:ext>
+            </a:extLst>
+          </p:cNvPr>
+          <p:cNvSpPr/>
+          <p:nvPr/>
+        </p:nvSpPr>
+        <p:spPr>
+          <a:xfrm>
+            <a:off x="6095999" y="44406"/>
+            <a:ext cx="5899837" cy="786383"/>
+          </a:xfrm>
+          <a:prstGeom prst="rect">
+            <a:avLst/>
+          </a:prstGeom>
+          <a:noFill/>
+          <a:ln>
+            <a:noFill/>
+          </a:ln>
+        </p:spPr>
+        <p:txBody>
+          <a:bodyPr spcFirstLastPara="1" wrap="square" lIns="0" tIns="0" rIns="0" bIns="0" anchor="t" anchorCtr="0">
+            <a:noAutofit/>
+          </a:bodyPr>
+          <a:lstStyle/>
+          <a:p>
+            <a:pPr>
+              <a:buClr>
+                <a:srgbClr val="FF0000"/>
+              </a:buClr>
+              <a:buSzPts val="5445"/>
+            </a:pPr>
+            <a:r>
+              <a:rPr lang="en-US" altLang="zh-CN" sz="4805" b="1" dirty="0">
+                <a:solidFill>
+                  <a:srgbClr val="0070C0"/>
+                </a:solidFill>
+                <a:latin typeface="Times New Roman" panose="02020603050405020304"/>
+                <a:ea typeface="Times New Roman" panose="02020603050405020304"/>
+                <a:cs typeface="Times New Roman" panose="02020603050405020304"/>
+                <a:sym typeface="Times New Roman" panose="02020603050405020304"/>
+              </a:rPr>
+              <a:t>Dataset we will use</a:t>
+            </a:r>
+          </a:p>
+        </p:txBody>
+      </p:sp>
+      <p:sp>
+        <p:nvSpPr>
+          <p:cNvPr id="6" name="Google Shape;162;p41">
+            <a:extLst>
+              <a:ext uri="{FF2B5EF4-FFF2-40B4-BE49-F238E27FC236}">
+                <a16:creationId xmlns:a16="http://schemas.microsoft.com/office/drawing/2014/main" id="{A488556D-D5E4-3241-A545-601C8DE34F9F}"/>
+              </a:ext>
+            </a:extLst>
+          </p:cNvPr>
+          <p:cNvSpPr/>
+          <p:nvPr/>
+        </p:nvSpPr>
+        <p:spPr>
+          <a:xfrm>
+            <a:off x="0" y="766883"/>
+            <a:ext cx="12191999" cy="63906"/>
+          </a:xfrm>
+          <a:prstGeom prst="rect">
+            <a:avLst/>
+          </a:prstGeom>
+          <a:solidFill>
+            <a:srgbClr val="2F5496"/>
+          </a:solidFill>
+          <a:ln>
+            <a:noFill/>
+          </a:ln>
+        </p:spPr>
+        <p:txBody>
+          <a:bodyPr spcFirstLastPara="1" wrap="square" lIns="80669" tIns="40324" rIns="80669" bIns="40324" anchor="ctr" anchorCtr="0">
+            <a:noAutofit/>
+          </a:bodyPr>
+          <a:lstStyle/>
+          <a:p>
+            <a:pPr algn="ctr">
+              <a:buClr>
+                <a:srgbClr val="000000"/>
+              </a:buClr>
+              <a:buSzPts val="1800"/>
+            </a:pPr>
+            <a:endParaRPr sz="1588">
+              <a:solidFill>
+                <a:schemeClr val="lt1"/>
+              </a:solidFill>
+              <a:latin typeface="Arial" panose="020B0604020202020204"/>
+              <a:ea typeface="Arial" panose="020B0604020202020204"/>
+              <a:cs typeface="Arial" panose="020B0604020202020204"/>
+              <a:sym typeface="Arial" panose="020B0604020202020204"/>
+            </a:endParaRPr>
+          </a:p>
+        </p:txBody>
+      </p:sp>
+      <p:sp>
+        <p:nvSpPr>
+          <p:cNvPr id="7" name="TextBox 6">
+            <a:extLst>
+              <a:ext uri="{FF2B5EF4-FFF2-40B4-BE49-F238E27FC236}">
+                <a16:creationId xmlns:a16="http://schemas.microsoft.com/office/drawing/2014/main" id="{258E366B-8D38-1347-9BB3-26A2B138F2B3}"/>
+              </a:ext>
+            </a:extLst>
+          </p:cNvPr>
+          <p:cNvSpPr txBox="1"/>
+          <p:nvPr/>
+        </p:nvSpPr>
+        <p:spPr>
+          <a:xfrm>
+            <a:off x="3107462" y="1785089"/>
+            <a:ext cx="704039" cy="400110"/>
+          </a:xfrm>
+          <a:prstGeom prst="rect">
+            <a:avLst/>
+          </a:prstGeom>
+          <a:noFill/>
+        </p:spPr>
+        <p:txBody>
+          <a:bodyPr wrap="none" rtlCol="0">
+            <a:spAutoFit/>
+          </a:bodyPr>
+          <a:lstStyle/>
+          <a:p>
+            <a:r>
+              <a:rPr lang="en-US" sz="2000" dirty="0"/>
+              <a:t>2019</a:t>
+            </a:r>
+          </a:p>
+        </p:txBody>
+      </p:sp>
+      <p:sp>
+        <p:nvSpPr>
+          <p:cNvPr id="8" name="TextBox 7">
+            <a:extLst>
+              <a:ext uri="{FF2B5EF4-FFF2-40B4-BE49-F238E27FC236}">
+                <a16:creationId xmlns:a16="http://schemas.microsoft.com/office/drawing/2014/main" id="{A98DDB0E-F4E4-AF43-98B5-65109499B892}"/>
+              </a:ext>
+            </a:extLst>
+          </p:cNvPr>
+          <p:cNvSpPr txBox="1"/>
+          <p:nvPr/>
+        </p:nvSpPr>
+        <p:spPr>
+          <a:xfrm>
+            <a:off x="8333909" y="1785089"/>
+            <a:ext cx="704039" cy="400110"/>
+          </a:xfrm>
+          <a:prstGeom prst="rect">
+            <a:avLst/>
+          </a:prstGeom>
+          <a:noFill/>
+        </p:spPr>
+        <p:txBody>
+          <a:bodyPr wrap="none" rtlCol="0">
+            <a:spAutoFit/>
+          </a:bodyPr>
+          <a:lstStyle/>
+          <a:p>
+            <a:r>
+              <a:rPr lang="en-US" sz="2000" dirty="0"/>
+              <a:t>2018</a:t>
+            </a:r>
+          </a:p>
+        </p:txBody>
+      </p:sp>
+    </p:spTree>
+    <p:extLst>
+      <p:ext uri="{BB962C8B-B14F-4D97-AF65-F5344CB8AC3E}">
+        <p14:creationId xmlns:p14="http://schemas.microsoft.com/office/powerpoint/2010/main" val="651651200"/>
+      </p:ext>
+    </p:extLst>
+  </p:cSld>
+  <p:clrMapOvr>
+    <a:masterClrMapping/>
+  </p:clrMapOvr>
+</p:sld>
+</file>
+
+<file path=ppt/slides/slide6.xml><?xml version="1.0" encoding="utf-8"?>
+<p:sld xmlns:a="http://schemas.openxmlformats.org/drawingml/2006/main" xmlns:r="http://schemas.openxmlformats.org/officeDocument/2006/relationships" xmlns:p="http://schemas.openxmlformats.org/presentationml/2006/main">
+  <p:cSld>
+    <p:spTree>
+      <p:nvGrpSpPr>
         <p:cNvPr id="1" name="Shape 158"/>
         <p:cNvGrpSpPr/>
         <p:nvPr/>
@@ -7634,7 +7980,7 @@
         <p:spPr>
           <a:xfrm>
             <a:off x="627160" y="1675096"/>
-            <a:ext cx="10421054" cy="3108543"/>
+            <a:ext cx="7083151" cy="3108543"/>
           </a:xfrm>
           <a:prstGeom prst="rect">
             <a:avLst/>
@@ -7718,6 +8064,36 @@
           </a:p>
         </p:txBody>
       </p:sp>
+      <p:pic>
+        <p:nvPicPr>
+          <p:cNvPr id="3" name="Picture 2">
+            <a:extLst>
+              <a:ext uri="{FF2B5EF4-FFF2-40B4-BE49-F238E27FC236}">
+                <a16:creationId xmlns:a16="http://schemas.microsoft.com/office/drawing/2014/main" id="{EF5C4BE5-C6DD-8A49-86E4-AEEFB35AD28A}"/>
+              </a:ext>
+            </a:extLst>
+          </p:cNvPr>
+          <p:cNvPicPr>
+            <a:picLocks noChangeAspect="1"/>
+          </p:cNvPicPr>
+          <p:nvPr/>
+        </p:nvPicPr>
+        <p:blipFill>
+          <a:blip r:embed="rId3"/>
+          <a:stretch>
+            <a:fillRect/>
+          </a:stretch>
+        </p:blipFill>
+        <p:spPr>
+          <a:xfrm>
+            <a:off x="8037688" y="1481877"/>
+            <a:ext cx="3760865" cy="3469591"/>
+          </a:xfrm>
+          <a:prstGeom prst="rect">
+            <a:avLst/>
+          </a:prstGeom>
+        </p:spPr>
+      </p:pic>
     </p:spTree>
     <p:extLst>
       <p:ext uri="{BB962C8B-B14F-4D97-AF65-F5344CB8AC3E}">
@@ -7731,7 +8107,7 @@
 </p:sld>
 </file>
 
-<file path=ppt/slides/slide6.xml><?xml version="1.0" encoding="utf-8"?>
+<file path=ppt/slides/slide7.xml><?xml version="1.0" encoding="utf-8"?>
 <p:sld xmlns:a="http://schemas.openxmlformats.org/drawingml/2006/main" xmlns:r="http://schemas.openxmlformats.org/officeDocument/2006/relationships" xmlns:p="http://schemas.openxmlformats.org/presentationml/2006/main">
   <p:cSld>
     <p:spTree>
@@ -7869,12 +8245,6 @@
           <a:p>
             <a:r>
               <a:rPr lang="en-US" altLang="zh-CN" sz="2800" dirty="0"/>
-              <a:t>· Another option: </a:t>
-            </a:r>
-          </a:p>
-          <a:p>
-            <a:r>
-              <a:rPr lang="en-US" altLang="zh-CN" sz="2800" dirty="0"/>
               <a:t>First we group the features with high correlations. Then do </a:t>
             </a:r>
           </a:p>
@@ -7885,9 +8255,12 @@
             </a:r>
           </a:p>
           <a:p>
+            <a:endParaRPr lang="en-US" altLang="zh-CN" sz="2800" dirty="0"/>
+          </a:p>
+          <a:p>
             <a:r>
               <a:rPr lang="en-US" altLang="zh-CN" sz="2800" dirty="0"/>
-              <a:t>· More interpretability. But also more time-consuming.</a:t>
+              <a:t>More interpretability. But also more time-consuming.</a:t>
             </a:r>
             <a:endParaRPr lang="en-US" sz="2800" dirty="0"/>
           </a:p>
@@ -20770,7 +21143,7 @@
 </p:sld>
 </file>
 
-<file path=ppt/slides/slide7.xml><?xml version="1.0" encoding="utf-8"?>
+<file path=ppt/slides/slide8.xml><?xml version="1.0" encoding="utf-8"?>
 <p:sld xmlns:a="http://schemas.openxmlformats.org/drawingml/2006/main" xmlns:r="http://schemas.openxmlformats.org/officeDocument/2006/relationships" xmlns:p="http://schemas.openxmlformats.org/presentationml/2006/main">
   <p:cSld>
     <p:spTree>
@@ -21035,7 +21408,7 @@
 </p:sld>
 </file>
 
-<file path=ppt/slides/slide8.xml><?xml version="1.0" encoding="utf-8"?>
+<file path=ppt/slides/slide9.xml><?xml version="1.0" encoding="utf-8"?>
 <p:sld xmlns:a="http://schemas.openxmlformats.org/drawingml/2006/main" xmlns:r="http://schemas.openxmlformats.org/officeDocument/2006/relationships" xmlns:p="http://schemas.openxmlformats.org/presentationml/2006/main">
   <p:cSld>
     <p:spTree>
